--- a/2021.01 - [ MS SQL Server ]/01 - [ Databases Introduction - Lab ]/00 - [ Resources ]/Presentation.pptx
+++ b/2021.01 - [ MS SQL Server ]/01 - [ Databases Introduction - Lab ]/00 - [ Resources ]/Presentation.pptx
@@ -337,7 +337,7 @@
           <a:p>
             <a:fld id="{4E087215-0C8F-4762-A664-737A353EC9A4}" type="datetimeFigureOut">
               <a:rPr lang="bg-BG" smtClean="0"/>
-              <a:t>11.1.2021 г.</a:t>
+              <a:t>13.1.2021 г.</a:t>
             </a:fld>
             <a:endParaRPr lang="bg-BG"/>
           </a:p>
@@ -528,7 +528,7 @@
           <a:p>
             <a:fld id="{72D84649-876A-46C9-8472-14CB09C070D8}" type="datetimeFigureOut">
               <a:rPr lang="en-US" smtClean="0"/>
-              <a:t>1/11/2021</a:t>
+              <a:t>1/12/2021</a:t>
             </a:fld>
             <a:endParaRPr lang="en-US"/>
           </a:p>
@@ -2984,343 +2984,31 @@
               <a:buNone/>
             </a:pPr>
             <a:r>
-              <a:rPr lang="bg-BG" b="0" i="0" dirty="0">
+              <a:rPr lang="en-US" b="0" i="0" dirty="0">
                 <a:solidFill>
                   <a:srgbClr val="4D5156"/>
                 </a:solidFill>
                 <a:effectLst/>
                 <a:latin typeface="arial" panose="020B0604020202020204" pitchFamily="34" charset="0"/>
               </a:rPr>
-              <a:t>Въпроси:</a:t>
-            </a:r>
-            <a:endParaRPr lang="en-US" b="0" i="0" dirty="0">
-              <a:solidFill>
-                <a:srgbClr val="4D5156"/>
-              </a:solidFill>
-              <a:effectLst/>
-              <a:latin typeface="arial" panose="020B0604020202020204" pitchFamily="34" charset="0"/>
-            </a:endParaRPr>
-          </a:p>
-          <a:p>
-            <a:pPr marL="228600" indent="-228600">
+              <a:t>ALTER</a:t>
+            </a:r>
+          </a:p>
+          <a:p>
+            <a:pPr marL="171450" indent="-171450">
               <a:buFont typeface="Symbol" panose="05050102010706020507" pitchFamily="18" charset="2"/>
-              <a:buAutoNum type="arabicPeriod"/>
+              <a:buChar char="Þ"/>
             </a:pPr>
             <a:r>
-              <a:rPr lang="ru-RU" b="0" i="0" dirty="0">
+              <a:rPr lang="bg-BG" b="0" i="0">
                 <a:solidFill>
                   <a:srgbClr val="4D5156"/>
                 </a:solidFill>
                 <a:effectLst/>
                 <a:latin typeface="arial" panose="020B0604020202020204" pitchFamily="34" charset="0"/>
               </a:rPr>
-              <a:t>Ако някой влезне в нашите база данни без права, как може да се предпазим? Въобще има ли някакъв начин това да се случи?</a:t>
-            </a:r>
-          </a:p>
-          <a:p>
-            <a:pPr marL="228600" indent="-228600">
-              <a:buFont typeface="Symbol" panose="05050102010706020507" pitchFamily="18" charset="2"/>
-              <a:buAutoNum type="arabicPeriod"/>
-            </a:pPr>
-            <a:r>
-              <a:rPr lang="en-US" b="0" i="0" dirty="0">
-                <a:solidFill>
-                  <a:srgbClr val="4D5156"/>
-                </a:solidFill>
-                <a:effectLst/>
-                <a:latin typeface="arial" panose="020B0604020202020204" pitchFamily="34" charset="0"/>
-              </a:rPr>
-              <a:t>Non-Unicode &amp; ASCII?</a:t>
-            </a:r>
-          </a:p>
-          <a:p>
-            <a:pPr marL="228600" indent="-228600">
-              <a:buFont typeface="Symbol" panose="05050102010706020507" pitchFamily="18" charset="2"/>
-              <a:buAutoNum type="arabicPeriod"/>
-            </a:pPr>
-            <a:r>
-              <a:rPr lang="bg-BG" b="0" i="0" dirty="0">
-                <a:solidFill>
-                  <a:srgbClr val="4D5156"/>
-                </a:solidFill>
-                <a:effectLst/>
-                <a:latin typeface="arial" panose="020B0604020202020204" pitchFamily="34" charset="0"/>
-              </a:rPr>
-              <a:t>Когато имаме 3 реда, с </a:t>
-            </a:r>
-            <a:r>
-              <a:rPr lang="en-US" b="0" i="0" dirty="0">
-                <a:solidFill>
-                  <a:srgbClr val="4D5156"/>
-                </a:solidFill>
-                <a:effectLst/>
-                <a:latin typeface="arial" panose="020B0604020202020204" pitchFamily="34" charset="0"/>
-              </a:rPr>
-              <a:t>ID [1,2,6]</a:t>
-            </a:r>
-            <a:r>
-              <a:rPr lang="bg-BG" b="0" i="0" dirty="0">
-                <a:solidFill>
-                  <a:srgbClr val="4D5156"/>
-                </a:solidFill>
-                <a:effectLst/>
-                <a:latin typeface="arial" panose="020B0604020202020204" pitchFamily="34" charset="0"/>
-              </a:rPr>
-              <a:t> какво означава това? Другите са изтрити</a:t>
-            </a:r>
-            <a:r>
-              <a:rPr lang="en-US" b="0" i="0" dirty="0">
-                <a:solidFill>
-                  <a:srgbClr val="4D5156"/>
-                </a:solidFill>
-                <a:effectLst/>
-                <a:latin typeface="arial" panose="020B0604020202020204" pitchFamily="34" charset="0"/>
-              </a:rPr>
-              <a:t> </a:t>
-            </a:r>
-            <a:r>
-              <a:rPr lang="bg-BG" b="0" i="0" dirty="0">
-                <a:solidFill>
-                  <a:srgbClr val="4D5156"/>
-                </a:solidFill>
-                <a:effectLst/>
-                <a:latin typeface="arial" panose="020B0604020202020204" pitchFamily="34" charset="0"/>
-              </a:rPr>
-              <a:t>и следователно ред номер 3 има </a:t>
-            </a:r>
-            <a:r>
-              <a:rPr lang="en-US" b="0" i="0" dirty="0">
-                <a:solidFill>
-                  <a:srgbClr val="4D5156"/>
-                </a:solidFill>
-                <a:effectLst/>
-                <a:latin typeface="arial" panose="020B0604020202020204" pitchFamily="34" charset="0"/>
-              </a:rPr>
-              <a:t>ID 6</a:t>
-            </a:r>
-            <a:r>
-              <a:rPr lang="bg-BG" b="0" i="0" dirty="0">
-                <a:solidFill>
-                  <a:srgbClr val="4D5156"/>
-                </a:solidFill>
-                <a:effectLst/>
-                <a:latin typeface="arial" panose="020B0604020202020204" pitchFamily="34" charset="0"/>
-              </a:rPr>
-              <a:t>? Ако са изтрити пазят ли се някъде? Може ли по някакъв начин</a:t>
-            </a:r>
-            <a:r>
-              <a:rPr lang="en-US" b="0" i="0" dirty="0">
-                <a:solidFill>
-                  <a:srgbClr val="4D5156"/>
-                </a:solidFill>
-                <a:effectLst/>
-                <a:latin typeface="arial" panose="020B0604020202020204" pitchFamily="34" charset="0"/>
-              </a:rPr>
-              <a:t> </a:t>
-            </a:r>
-            <a:r>
-              <a:rPr lang="bg-BG" b="0" i="0" dirty="0">
-                <a:solidFill>
-                  <a:srgbClr val="4D5156"/>
-                </a:solidFill>
-                <a:effectLst/>
-                <a:latin typeface="arial" panose="020B0604020202020204" pitchFamily="34" charset="0"/>
-              </a:rPr>
-              <a:t>да речем, ако добавим нов ред (тоест 4-ти), то </a:t>
-            </a:r>
-            <a:r>
-              <a:rPr lang="en-US" b="0" i="0" dirty="0">
-                <a:solidFill>
-                  <a:srgbClr val="4D5156"/>
-                </a:solidFill>
-                <a:effectLst/>
-                <a:latin typeface="arial" panose="020B0604020202020204" pitchFamily="34" charset="0"/>
-              </a:rPr>
-              <a:t>ID-</a:t>
-            </a:r>
-            <a:r>
-              <a:rPr lang="bg-BG" b="0" i="0" dirty="0">
-                <a:solidFill>
-                  <a:srgbClr val="4D5156"/>
-                </a:solidFill>
-                <a:effectLst/>
-                <a:latin typeface="arial" panose="020B0604020202020204" pitchFamily="34" charset="0"/>
-              </a:rPr>
-              <a:t>то да бъде записано</a:t>
-            </a:r>
-            <a:r>
-              <a:rPr lang="en-US" b="0" i="0" dirty="0">
-                <a:solidFill>
-                  <a:srgbClr val="4D5156"/>
-                </a:solidFill>
-                <a:effectLst/>
-                <a:latin typeface="arial" panose="020B0604020202020204" pitchFamily="34" charset="0"/>
-              </a:rPr>
-              <a:t> </a:t>
-            </a:r>
-            <a:r>
-              <a:rPr lang="bg-BG" b="0" i="0" dirty="0">
-                <a:solidFill>
-                  <a:srgbClr val="4D5156"/>
-                </a:solidFill>
-                <a:effectLst/>
-                <a:latin typeface="arial" panose="020B0604020202020204" pitchFamily="34" charset="0"/>
-              </a:rPr>
-              <a:t>с предишно, което е било изтрито и следователно да вземе неговото </a:t>
-            </a:r>
-            <a:r>
-              <a:rPr lang="en-US" b="0" i="0" dirty="0">
-                <a:solidFill>
-                  <a:srgbClr val="4D5156"/>
-                </a:solidFill>
-                <a:effectLst/>
-                <a:latin typeface="arial" panose="020B0604020202020204" pitchFamily="34" charset="0"/>
-              </a:rPr>
-              <a:t>ID,</a:t>
-            </a:r>
-            <a:r>
-              <a:rPr lang="bg-BG" b="0" i="0" dirty="0">
-                <a:solidFill>
-                  <a:srgbClr val="4D5156"/>
-                </a:solidFill>
-                <a:effectLst/>
-                <a:latin typeface="arial" panose="020B0604020202020204" pitchFamily="34" charset="0"/>
-              </a:rPr>
-              <a:t> ако може автоматично ли ще се подредят по този начин </a:t>
-            </a:r>
-            <a:r>
-              <a:rPr lang="en-US" b="0" i="0" dirty="0">
-                <a:solidFill>
-                  <a:srgbClr val="4D5156"/>
-                </a:solidFill>
-                <a:effectLst/>
-                <a:latin typeface="arial" panose="020B0604020202020204" pitchFamily="34" charset="0"/>
-              </a:rPr>
-              <a:t>[1,2,3,6]</a:t>
-            </a:r>
-            <a:r>
-              <a:rPr lang="bg-BG" b="0" i="0" dirty="0">
-                <a:solidFill>
-                  <a:srgbClr val="4D5156"/>
-                </a:solidFill>
-                <a:effectLst/>
-                <a:latin typeface="arial" panose="020B0604020202020204" pitchFamily="34" charset="0"/>
-              </a:rPr>
-              <a:t> или ще си стои </a:t>
-            </a:r>
-            <a:r>
-              <a:rPr lang="en-US" b="0" i="0" dirty="0">
-                <a:solidFill>
-                  <a:srgbClr val="4D5156"/>
-                </a:solidFill>
-                <a:effectLst/>
-                <a:latin typeface="arial" panose="020B0604020202020204" pitchFamily="34" charset="0"/>
-              </a:rPr>
-              <a:t>[1,2,6,3]</a:t>
-            </a:r>
-            <a:r>
-              <a:rPr lang="bg-BG" b="0" i="0" dirty="0">
-                <a:solidFill>
-                  <a:srgbClr val="4D5156"/>
-                </a:solidFill>
-                <a:effectLst/>
-                <a:latin typeface="arial" panose="020B0604020202020204" pitchFamily="34" charset="0"/>
-              </a:rPr>
-              <a:t>  </a:t>
-            </a:r>
-            <a:endParaRPr lang="en-US" b="0" i="0" dirty="0">
-              <a:solidFill>
-                <a:srgbClr val="4D5156"/>
-              </a:solidFill>
-              <a:effectLst/>
-              <a:latin typeface="arial" panose="020B0604020202020204" pitchFamily="34" charset="0"/>
-            </a:endParaRPr>
-          </a:p>
-          <a:p>
-            <a:pPr marL="228600" indent="-228600">
-              <a:buFont typeface="Symbol" panose="05050102010706020507" pitchFamily="18" charset="2"/>
-              <a:buAutoNum type="arabicPeriod"/>
-            </a:pPr>
-            <a:r>
-              <a:rPr lang="bg-BG" b="0" i="0" dirty="0">
-                <a:solidFill>
-                  <a:srgbClr val="4D5156"/>
-                </a:solidFill>
-                <a:effectLst/>
-                <a:latin typeface="arial" panose="020B0604020202020204" pitchFamily="34" charset="0"/>
-              </a:rPr>
-              <a:t>Как определяме дали дадена колона да е </a:t>
-            </a:r>
-            <a:r>
-              <a:rPr lang="en-US" b="0" i="0" dirty="0">
-                <a:solidFill>
-                  <a:srgbClr val="4D5156"/>
-                </a:solidFill>
-                <a:effectLst/>
-                <a:latin typeface="arial" panose="020B0604020202020204" pitchFamily="34" charset="0"/>
-              </a:rPr>
-              <a:t>allow nulls? </a:t>
-            </a:r>
-            <a:r>
-              <a:rPr lang="bg-BG" b="0" i="0" dirty="0">
-                <a:solidFill>
-                  <a:srgbClr val="4D5156"/>
-                </a:solidFill>
-                <a:effectLst/>
-                <a:latin typeface="arial" panose="020B0604020202020204" pitchFamily="34" charset="0"/>
-              </a:rPr>
-              <a:t>Има строго правило или зависи от нас и според зависи какви данни ни трябват? Пример: всички футболни отбори имат имена, но не всички имат </a:t>
-            </a:r>
-            <a:r>
-              <a:rPr lang="en-US" b="0" i="0" dirty="0">
-                <a:solidFill>
-                  <a:srgbClr val="4D5156"/>
-                </a:solidFill>
-                <a:effectLst/>
-                <a:latin typeface="arial" panose="020B0604020202020204" pitchFamily="34" charset="0"/>
-              </a:rPr>
-              <a:t>nickname </a:t>
-            </a:r>
-            <a:r>
-              <a:rPr lang="bg-BG" b="0" i="0" dirty="0">
-                <a:solidFill>
-                  <a:srgbClr val="4D5156"/>
-                </a:solidFill>
-                <a:effectLst/>
-                <a:latin typeface="arial" panose="020B0604020202020204" pitchFamily="34" charset="0"/>
-              </a:rPr>
-              <a:t>и тук правим логиката, че може да е </a:t>
-            </a:r>
-            <a:r>
-              <a:rPr lang="en-US" b="0" i="0" dirty="0">
-                <a:solidFill>
-                  <a:srgbClr val="4D5156"/>
-                </a:solidFill>
-                <a:effectLst/>
-                <a:latin typeface="arial" panose="020B0604020202020204" pitchFamily="34" charset="0"/>
-              </a:rPr>
-              <a:t>allow nulls</a:t>
-            </a:r>
-            <a:endParaRPr lang="ru-RU" b="0" i="0" dirty="0">
-              <a:solidFill>
-                <a:srgbClr val="4D5156"/>
-              </a:solidFill>
-              <a:effectLst/>
-              <a:latin typeface="arial" panose="020B0604020202020204" pitchFamily="34" charset="0"/>
-            </a:endParaRPr>
-          </a:p>
-          <a:p>
-            <a:pPr marL="0" indent="0">
-              <a:buFont typeface="Symbol" panose="05050102010706020507" pitchFamily="18" charset="2"/>
-              <a:buNone/>
-            </a:pPr>
-            <a:endParaRPr lang="en-US" b="0" i="0" dirty="0">
-              <a:solidFill>
-                <a:srgbClr val="4D5156"/>
-              </a:solidFill>
-              <a:effectLst/>
-              <a:latin typeface="arial" panose="020B0604020202020204" pitchFamily="34" charset="0"/>
-            </a:endParaRPr>
+              <a:t>Променяме нещо по нашата структура</a:t>
+            </a:r>
           </a:p>
         </p:txBody>
       </p:sp>
